--- a/Documents/8. 발표/3. KDT 결과보고서/결과보고서_B팀(클라우드 기반 Spring Framework를 활용한 기업 커뮤니티 시스템).pptx
+++ b/Documents/8. 발표/3. KDT 결과보고서/결과보고서_B팀(클라우드 기반 Spring Framework를 활용한 기업 커뮤니티 시스템).pptx
@@ -18382,8 +18382,8 @@
         </p:nvSpPr>
         <p:spPr>
           <a:xfrm>
-            <a:off x="966733" y="3429000"/>
-            <a:ext cx="10545634" cy="1793568"/>
+            <a:off x="391858" y="2011916"/>
+            <a:ext cx="5452114" cy="898909"/>
           </a:xfrm>
           <a:prstGeom prst="rect">
             <a:avLst/>
@@ -18504,27 +18504,95 @@
               <a:t>)</a:t>
             </a:r>
           </a:p>
-          <a:p>
-            <a:pPr marL="342900" marR="0" indent="-342900" algn="l" fontAlgn="base" latinLnBrk="1">
-              <a:lnSpc>
-                <a:spcPct val="160000"/>
-              </a:lnSpc>
-              <a:spcBef>
-                <a:spcPts val="0"/>
-              </a:spcBef>
-              <a:spcAft>
-                <a:spcPts val="0"/>
-              </a:spcAft>
-              <a:buAutoNum type="arabicPeriod"/>
-            </a:pPr>
-            <a:endParaRPr lang="ko-KR" altLang="en-US" sz="1800" kern="0" spc="0" dirty="0">
-              <a:solidFill>
-                <a:srgbClr val="000000"/>
-              </a:solidFill>
-              <a:effectLst/>
-              <a:latin typeface="바탕" panose="02030600000101010101" pitchFamily="18" charset="-127"/>
-            </a:endParaRPr>
-          </a:p>
+        </p:txBody>
+      </p:sp>
+      <p:pic>
+        <p:nvPicPr>
+          <p:cNvPr id="8" name="그림 7">
+            <a:extLst>
+              <a:ext uri="{FF2B5EF4-FFF2-40B4-BE49-F238E27FC236}">
+                <a16:creationId xmlns:a16="http://schemas.microsoft.com/office/drawing/2014/main" id="{4769F86D-A232-49D5-AB0B-6BB16FDDFBF0}"/>
+              </a:ext>
+            </a:extLst>
+          </p:cNvPr>
+          <p:cNvPicPr>
+            <a:picLocks noChangeAspect="1"/>
+          </p:cNvPicPr>
+          <p:nvPr/>
+        </p:nvPicPr>
+        <p:blipFill>
+          <a:blip r:embed="rId8"/>
+          <a:stretch>
+            <a:fillRect/>
+          </a:stretch>
+        </p:blipFill>
+        <p:spPr>
+          <a:xfrm>
+            <a:off x="449207" y="3284984"/>
+            <a:ext cx="2208059" cy="2645439"/>
+          </a:xfrm>
+          <a:prstGeom prst="rect">
+            <a:avLst/>
+          </a:prstGeom>
+        </p:spPr>
+      </p:pic>
+      <p:pic>
+        <p:nvPicPr>
+          <p:cNvPr id="15" name="그림 14">
+            <a:extLst>
+              <a:ext uri="{FF2B5EF4-FFF2-40B4-BE49-F238E27FC236}">
+                <a16:creationId xmlns:a16="http://schemas.microsoft.com/office/drawing/2014/main" id="{0E8C6173-2DD4-4581-BC0A-46A7EA979959}"/>
+              </a:ext>
+            </a:extLst>
+          </p:cNvPr>
+          <p:cNvPicPr>
+            <a:picLocks noChangeAspect="1"/>
+          </p:cNvPicPr>
+          <p:nvPr/>
+        </p:nvPicPr>
+        <p:blipFill>
+          <a:blip r:embed="rId9"/>
+          <a:stretch>
+            <a:fillRect/>
+          </a:stretch>
+        </p:blipFill>
+        <p:spPr>
+          <a:xfrm>
+            <a:off x="3215680" y="3263308"/>
+            <a:ext cx="2283730" cy="2645439"/>
+          </a:xfrm>
+          <a:prstGeom prst="rect">
+            <a:avLst/>
+          </a:prstGeom>
+        </p:spPr>
+      </p:pic>
+      <p:sp>
+        <p:nvSpPr>
+          <p:cNvPr id="22" name="TextBox 21">
+            <a:extLst>
+              <a:ext uri="{FF2B5EF4-FFF2-40B4-BE49-F238E27FC236}">
+                <a16:creationId xmlns:a16="http://schemas.microsoft.com/office/drawing/2014/main" id="{11109341-9B52-405E-A47B-0F08E3652FD9}"/>
+              </a:ext>
+            </a:extLst>
+          </p:cNvPr>
+          <p:cNvSpPr txBox="1"/>
+          <p:nvPr/>
+        </p:nvSpPr>
+        <p:spPr>
+          <a:xfrm>
+            <a:off x="6023992" y="2033639"/>
+            <a:ext cx="5868652" cy="907171"/>
+          </a:xfrm>
+          <a:prstGeom prst="rect">
+            <a:avLst/>
+          </a:prstGeom>
+          <a:noFill/>
+        </p:spPr>
+        <p:txBody>
+          <a:bodyPr wrap="square">
+            <a:spAutoFit/>
+          </a:bodyPr>
+          <a:lstStyle/>
           <a:p>
             <a:pPr marL="0" marR="0" indent="127000" algn="l" fontAlgn="base" latinLnBrk="1">
               <a:lnSpc>
@@ -18575,7 +18643,7 @@
                 <a:latin typeface="굴림" panose="020B0600000101010101" pitchFamily="50" charset="-127"/>
                 <a:ea typeface="굴림" panose="020B0600000101010101" pitchFamily="50" charset="-127"/>
               </a:rPr>
-              <a:t>타입이 아닌 테이블 분리를 통해 좀더 쉽게 접근 가능하도록 조언 적용 과정</a:t>
+              <a:t>타입이 아닌 테이블 분리를 통해 좀더 쉽게 접근 가능하도록 멘토링 조언 적용</a:t>
             </a:r>
             <a:endParaRPr lang="ko-KR" altLang="en-US" sz="1800" kern="0" spc="0" dirty="0">
               <a:solidFill>
@@ -18587,6 +18655,158 @@
           </a:p>
         </p:txBody>
       </p:sp>
+      <p:cxnSp>
+        <p:nvCxnSpPr>
+          <p:cNvPr id="23" name="직선 화살표 연결선 22">
+            <a:extLst>
+              <a:ext uri="{FF2B5EF4-FFF2-40B4-BE49-F238E27FC236}">
+                <a16:creationId xmlns:a16="http://schemas.microsoft.com/office/drawing/2014/main" id="{D6B92EDD-D21C-4BC5-AF92-3EC65422D503}"/>
+              </a:ext>
+            </a:extLst>
+          </p:cNvPr>
+          <p:cNvCxnSpPr>
+            <a:cxnSpLocks/>
+            <a:stCxn id="8" idx="3"/>
+            <a:endCxn id="15" idx="1"/>
+          </p:cNvCxnSpPr>
+          <p:nvPr/>
+        </p:nvCxnSpPr>
+        <p:spPr>
+          <a:xfrm flipV="1">
+            <a:off x="2657266" y="4586028"/>
+            <a:ext cx="558414" cy="21676"/>
+          </a:xfrm>
+          <a:prstGeom prst="straightConnector1">
+            <a:avLst/>
+          </a:prstGeom>
+          <a:ln w="19050">
+            <a:solidFill>
+              <a:srgbClr val="FF0000"/>
+            </a:solidFill>
+            <a:tailEnd type="triangle"/>
+          </a:ln>
+        </p:spPr>
+        <p:style>
+          <a:lnRef idx="1">
+            <a:schemeClr val="accent1"/>
+          </a:lnRef>
+          <a:fillRef idx="0">
+            <a:schemeClr val="accent1"/>
+          </a:fillRef>
+          <a:effectRef idx="0">
+            <a:schemeClr val="accent1"/>
+          </a:effectRef>
+          <a:fontRef idx="minor">
+            <a:schemeClr val="tx1"/>
+          </a:fontRef>
+        </p:style>
+      </p:cxnSp>
+      <p:pic>
+        <p:nvPicPr>
+          <p:cNvPr id="19" name="그림 18">
+            <a:extLst>
+              <a:ext uri="{FF2B5EF4-FFF2-40B4-BE49-F238E27FC236}">
+                <a16:creationId xmlns:a16="http://schemas.microsoft.com/office/drawing/2014/main" id="{27E8B745-526B-48AF-AC1F-3F1F6D17509C}"/>
+              </a:ext>
+            </a:extLst>
+          </p:cNvPr>
+          <p:cNvPicPr>
+            <a:picLocks noChangeAspect="1"/>
+          </p:cNvPicPr>
+          <p:nvPr/>
+        </p:nvPicPr>
+        <p:blipFill>
+          <a:blip r:embed="rId10"/>
+          <a:stretch>
+            <a:fillRect/>
+          </a:stretch>
+        </p:blipFill>
+        <p:spPr>
+          <a:xfrm>
+            <a:off x="6018076" y="4008764"/>
+            <a:ext cx="1797438" cy="916936"/>
+          </a:xfrm>
+          <a:prstGeom prst="rect">
+            <a:avLst/>
+          </a:prstGeom>
+        </p:spPr>
+      </p:pic>
+      <p:pic>
+        <p:nvPicPr>
+          <p:cNvPr id="21" name="그림 20">
+            <a:extLst>
+              <a:ext uri="{FF2B5EF4-FFF2-40B4-BE49-F238E27FC236}">
+                <a16:creationId xmlns:a16="http://schemas.microsoft.com/office/drawing/2014/main" id="{A73E24F9-657F-4DAD-A504-1BB69E6C08D0}"/>
+              </a:ext>
+            </a:extLst>
+          </p:cNvPr>
+          <p:cNvPicPr>
+            <a:picLocks noChangeAspect="1"/>
+          </p:cNvPicPr>
+          <p:nvPr/>
+        </p:nvPicPr>
+        <p:blipFill>
+          <a:blip r:embed="rId11"/>
+          <a:stretch>
+            <a:fillRect/>
+          </a:stretch>
+        </p:blipFill>
+        <p:spPr>
+          <a:xfrm>
+            <a:off x="8546239" y="3721775"/>
+            <a:ext cx="2963343" cy="1490913"/>
+          </a:xfrm>
+          <a:prstGeom prst="rect">
+            <a:avLst/>
+          </a:prstGeom>
+        </p:spPr>
+      </p:pic>
+      <p:cxnSp>
+        <p:nvCxnSpPr>
+          <p:cNvPr id="30" name="직선 화살표 연결선 29">
+            <a:extLst>
+              <a:ext uri="{FF2B5EF4-FFF2-40B4-BE49-F238E27FC236}">
+                <a16:creationId xmlns:a16="http://schemas.microsoft.com/office/drawing/2014/main" id="{4C6F5ED5-BF67-445C-8EF7-EF500CF71FE8}"/>
+              </a:ext>
+            </a:extLst>
+          </p:cNvPr>
+          <p:cNvCxnSpPr>
+            <a:cxnSpLocks/>
+            <a:stCxn id="19" idx="3"/>
+            <a:endCxn id="21" idx="1"/>
+          </p:cNvCxnSpPr>
+          <p:nvPr/>
+        </p:nvCxnSpPr>
+        <p:spPr>
+          <a:xfrm>
+            <a:off x="7815514" y="4467232"/>
+            <a:ext cx="730725" cy="0"/>
+          </a:xfrm>
+          <a:prstGeom prst="straightConnector1">
+            <a:avLst/>
+          </a:prstGeom>
+          <a:ln w="19050">
+            <a:solidFill>
+              <a:srgbClr val="FF0000"/>
+            </a:solidFill>
+            <a:tailEnd type="triangle"/>
+          </a:ln>
+        </p:spPr>
+        <p:style>
+          <a:lnRef idx="1">
+            <a:schemeClr val="accent1"/>
+          </a:lnRef>
+          <a:fillRef idx="0">
+            <a:schemeClr val="accent1"/>
+          </a:fillRef>
+          <a:effectRef idx="0">
+            <a:schemeClr val="accent1"/>
+          </a:effectRef>
+          <a:fontRef idx="minor">
+            <a:schemeClr val="tx1"/>
+          </a:fontRef>
+        </p:style>
+      </p:cxnSp>
     </p:spTree>
     <p:extLst>
       <p:ext uri="{BB962C8B-B14F-4D97-AF65-F5344CB8AC3E}">
@@ -19392,6 +19612,324 @@
           </p:spPr>
         </p:pic>
       </p:grpSp>
+      <p:pic>
+        <p:nvPicPr>
+          <p:cNvPr id="7" name="그림 6">
+            <a:extLst>
+              <a:ext uri="{FF2B5EF4-FFF2-40B4-BE49-F238E27FC236}">
+                <a16:creationId xmlns:a16="http://schemas.microsoft.com/office/drawing/2014/main" id="{D210651A-9539-4E3F-BBDA-046D95001C2D}"/>
+              </a:ext>
+            </a:extLst>
+          </p:cNvPr>
+          <p:cNvPicPr>
+            <a:picLocks noChangeAspect="1"/>
+          </p:cNvPicPr>
+          <p:nvPr/>
+        </p:nvPicPr>
+        <p:blipFill>
+          <a:blip r:embed="rId8"/>
+          <a:stretch>
+            <a:fillRect/>
+          </a:stretch>
+        </p:blipFill>
+        <p:spPr>
+          <a:xfrm>
+            <a:off x="485272" y="3396417"/>
+            <a:ext cx="1952898" cy="914528"/>
+          </a:xfrm>
+          <a:prstGeom prst="rect">
+            <a:avLst/>
+          </a:prstGeom>
+        </p:spPr>
+      </p:pic>
+      <p:pic>
+        <p:nvPicPr>
+          <p:cNvPr id="9" name="그림 8">
+            <a:extLst>
+              <a:ext uri="{FF2B5EF4-FFF2-40B4-BE49-F238E27FC236}">
+                <a16:creationId xmlns:a16="http://schemas.microsoft.com/office/drawing/2014/main" id="{2292DE1E-5BB9-4A2F-815E-D97C778A80E4}"/>
+              </a:ext>
+            </a:extLst>
+          </p:cNvPr>
+          <p:cNvPicPr>
+            <a:picLocks noChangeAspect="1"/>
+          </p:cNvPicPr>
+          <p:nvPr/>
+        </p:nvPicPr>
+        <p:blipFill>
+          <a:blip r:embed="rId9"/>
+          <a:stretch>
+            <a:fillRect/>
+          </a:stretch>
+        </p:blipFill>
+        <p:spPr>
+          <a:xfrm>
+            <a:off x="2722275" y="3343742"/>
+            <a:ext cx="2143424" cy="1038370"/>
+          </a:xfrm>
+          <a:prstGeom prst="rect">
+            <a:avLst/>
+          </a:prstGeom>
+        </p:spPr>
+      </p:pic>
+      <p:pic>
+        <p:nvPicPr>
+          <p:cNvPr id="16" name="그림 15">
+            <a:extLst>
+              <a:ext uri="{FF2B5EF4-FFF2-40B4-BE49-F238E27FC236}">
+                <a16:creationId xmlns:a16="http://schemas.microsoft.com/office/drawing/2014/main" id="{743793CE-3770-477E-8D1B-F4EB9DD6B389}"/>
+              </a:ext>
+            </a:extLst>
+          </p:cNvPr>
+          <p:cNvPicPr>
+            <a:picLocks noChangeAspect="1"/>
+          </p:cNvPicPr>
+          <p:nvPr/>
+        </p:nvPicPr>
+        <p:blipFill>
+          <a:blip r:embed="rId10"/>
+          <a:stretch>
+            <a:fillRect/>
+          </a:stretch>
+        </p:blipFill>
+        <p:spPr>
+          <a:xfrm>
+            <a:off x="5285111" y="3325250"/>
+            <a:ext cx="2257740" cy="1038370"/>
+          </a:xfrm>
+          <a:prstGeom prst="rect">
+            <a:avLst/>
+          </a:prstGeom>
+        </p:spPr>
+      </p:pic>
+      <p:sp>
+        <p:nvSpPr>
+          <p:cNvPr id="23" name="TextBox 22">
+            <a:extLst>
+              <a:ext uri="{FF2B5EF4-FFF2-40B4-BE49-F238E27FC236}">
+                <a16:creationId xmlns:a16="http://schemas.microsoft.com/office/drawing/2014/main" id="{C7E3E30B-1ADD-4841-A6DB-089E32A99EE1}"/>
+              </a:ext>
+            </a:extLst>
+          </p:cNvPr>
+          <p:cNvSpPr txBox="1"/>
+          <p:nvPr/>
+        </p:nvSpPr>
+        <p:spPr>
+          <a:xfrm>
+            <a:off x="391858" y="2011916"/>
+            <a:ext cx="5452114" cy="463973"/>
+          </a:xfrm>
+          <a:prstGeom prst="rect">
+            <a:avLst/>
+          </a:prstGeom>
+          <a:noFill/>
+        </p:spPr>
+        <p:txBody>
+          <a:bodyPr wrap="square">
+            <a:spAutoFit/>
+          </a:bodyPr>
+          <a:lstStyle/>
+          <a:p>
+            <a:pPr marL="342900" marR="0" indent="-342900" algn="l" fontAlgn="base" latinLnBrk="1">
+              <a:lnSpc>
+                <a:spcPct val="160000"/>
+              </a:lnSpc>
+              <a:spcBef>
+                <a:spcPts val="0"/>
+              </a:spcBef>
+              <a:spcAft>
+                <a:spcPts val="0"/>
+              </a:spcAft>
+              <a:buAutoNum type="arabicPeriod"/>
+            </a:pPr>
+            <a:r>
+              <a:rPr lang="ko-KR" altLang="en-US" kern="0" dirty="0">
+                <a:solidFill>
+                  <a:srgbClr val="000000"/>
+                </a:solidFill>
+                <a:latin typeface="굴림" panose="020B0600000101010101" pitchFamily="50" charset="-127"/>
+                <a:ea typeface="굴림" panose="020B0600000101010101" pitchFamily="50" charset="-127"/>
+              </a:rPr>
+              <a:t>어떤 방식으로 변경된 것인지 기록</a:t>
+            </a:r>
+            <a:endParaRPr lang="en-US" altLang="ko-KR" kern="0" dirty="0">
+              <a:solidFill>
+                <a:srgbClr val="000000"/>
+              </a:solidFill>
+              <a:latin typeface="굴림" panose="020B0600000101010101" pitchFamily="50" charset="-127"/>
+              <a:ea typeface="굴림" panose="020B0600000101010101" pitchFamily="50" charset="-127"/>
+            </a:endParaRPr>
+          </a:p>
+        </p:txBody>
+      </p:sp>
+      <p:cxnSp>
+        <p:nvCxnSpPr>
+          <p:cNvPr id="25" name="직선 화살표 연결선 24">
+            <a:extLst>
+              <a:ext uri="{FF2B5EF4-FFF2-40B4-BE49-F238E27FC236}">
+                <a16:creationId xmlns:a16="http://schemas.microsoft.com/office/drawing/2014/main" id="{6D6B1214-D861-4410-9987-B6B594C58387}"/>
+              </a:ext>
+            </a:extLst>
+          </p:cNvPr>
+          <p:cNvCxnSpPr>
+            <a:cxnSpLocks/>
+            <a:stCxn id="7" idx="3"/>
+            <a:endCxn id="9" idx="1"/>
+          </p:cNvCxnSpPr>
+          <p:nvPr/>
+        </p:nvCxnSpPr>
+        <p:spPr>
+          <a:xfrm>
+            <a:off x="2438170" y="3853681"/>
+            <a:ext cx="284105" cy="9246"/>
+          </a:xfrm>
+          <a:prstGeom prst="straightConnector1">
+            <a:avLst/>
+          </a:prstGeom>
+          <a:ln w="19050">
+            <a:solidFill>
+              <a:srgbClr val="FF0000"/>
+            </a:solidFill>
+            <a:tailEnd type="triangle"/>
+          </a:ln>
+        </p:spPr>
+        <p:style>
+          <a:lnRef idx="1">
+            <a:schemeClr val="accent1"/>
+          </a:lnRef>
+          <a:fillRef idx="0">
+            <a:schemeClr val="accent1"/>
+          </a:fillRef>
+          <a:effectRef idx="0">
+            <a:schemeClr val="accent1"/>
+          </a:effectRef>
+          <a:fontRef idx="minor">
+            <a:schemeClr val="tx1"/>
+          </a:fontRef>
+        </p:style>
+      </p:cxnSp>
+      <p:cxnSp>
+        <p:nvCxnSpPr>
+          <p:cNvPr id="28" name="직선 화살표 연결선 27">
+            <a:extLst>
+              <a:ext uri="{FF2B5EF4-FFF2-40B4-BE49-F238E27FC236}">
+                <a16:creationId xmlns:a16="http://schemas.microsoft.com/office/drawing/2014/main" id="{2EB54F64-C728-4C69-B59D-4B47B69AF733}"/>
+              </a:ext>
+            </a:extLst>
+          </p:cNvPr>
+          <p:cNvCxnSpPr>
+            <a:cxnSpLocks/>
+            <a:stCxn id="9" idx="3"/>
+            <a:endCxn id="16" idx="1"/>
+          </p:cNvCxnSpPr>
+          <p:nvPr/>
+        </p:nvCxnSpPr>
+        <p:spPr>
+          <a:xfrm flipV="1">
+            <a:off x="4865699" y="3844435"/>
+            <a:ext cx="419412" cy="18492"/>
+          </a:xfrm>
+          <a:prstGeom prst="straightConnector1">
+            <a:avLst/>
+          </a:prstGeom>
+          <a:ln w="19050">
+            <a:solidFill>
+              <a:srgbClr val="FF0000"/>
+            </a:solidFill>
+            <a:tailEnd type="triangle"/>
+          </a:ln>
+        </p:spPr>
+        <p:style>
+          <a:lnRef idx="1">
+            <a:schemeClr val="accent1"/>
+          </a:lnRef>
+          <a:fillRef idx="0">
+            <a:schemeClr val="accent1"/>
+          </a:fillRef>
+          <a:effectRef idx="0">
+            <a:schemeClr val="accent1"/>
+          </a:effectRef>
+          <a:fontRef idx="minor">
+            <a:schemeClr val="tx1"/>
+          </a:fontRef>
+        </p:style>
+      </p:cxnSp>
+      <p:pic>
+        <p:nvPicPr>
+          <p:cNvPr id="40" name="그림 39">
+            <a:extLst>
+              <a:ext uri="{FF2B5EF4-FFF2-40B4-BE49-F238E27FC236}">
+                <a16:creationId xmlns:a16="http://schemas.microsoft.com/office/drawing/2014/main" id="{6113082E-CFCC-437D-B842-CB794DCCF443}"/>
+              </a:ext>
+            </a:extLst>
+          </p:cNvPr>
+          <p:cNvPicPr>
+            <a:picLocks noChangeAspect="1"/>
+          </p:cNvPicPr>
+          <p:nvPr/>
+        </p:nvPicPr>
+        <p:blipFill>
+          <a:blip r:embed="rId11"/>
+          <a:stretch>
+            <a:fillRect/>
+          </a:stretch>
+        </p:blipFill>
+        <p:spPr>
+          <a:xfrm>
+            <a:off x="8193948" y="3327643"/>
+            <a:ext cx="1956862" cy="1052076"/>
+          </a:xfrm>
+          <a:prstGeom prst="rect">
+            <a:avLst/>
+          </a:prstGeom>
+        </p:spPr>
+      </p:pic>
+      <p:cxnSp>
+        <p:nvCxnSpPr>
+          <p:cNvPr id="46" name="직선 화살표 연결선 45">
+            <a:extLst>
+              <a:ext uri="{FF2B5EF4-FFF2-40B4-BE49-F238E27FC236}">
+                <a16:creationId xmlns:a16="http://schemas.microsoft.com/office/drawing/2014/main" id="{DD422ECD-49F9-42AF-B7BA-3FE333DEBBB4}"/>
+              </a:ext>
+            </a:extLst>
+          </p:cNvPr>
+          <p:cNvCxnSpPr>
+            <a:cxnSpLocks/>
+            <a:stCxn id="16" idx="3"/>
+            <a:endCxn id="40" idx="1"/>
+          </p:cNvCxnSpPr>
+          <p:nvPr/>
+        </p:nvCxnSpPr>
+        <p:spPr>
+          <a:xfrm>
+            <a:off x="7542851" y="3844435"/>
+            <a:ext cx="651097" cy="9246"/>
+          </a:xfrm>
+          <a:prstGeom prst="straightConnector1">
+            <a:avLst/>
+          </a:prstGeom>
+          <a:ln w="19050">
+            <a:solidFill>
+              <a:srgbClr val="FF0000"/>
+            </a:solidFill>
+            <a:tailEnd type="triangle"/>
+          </a:ln>
+        </p:spPr>
+        <p:style>
+          <a:lnRef idx="1">
+            <a:schemeClr val="accent1"/>
+          </a:lnRef>
+          <a:fillRef idx="0">
+            <a:schemeClr val="accent1"/>
+          </a:fillRef>
+          <a:effectRef idx="0">
+            <a:schemeClr val="accent1"/>
+          </a:effectRef>
+          <a:fontRef idx="minor">
+            <a:schemeClr val="tx1"/>
+          </a:fontRef>
+        </p:style>
+      </p:cxnSp>
     </p:spTree>
     <p:extLst>
       <p:ext uri="{BB962C8B-B14F-4D97-AF65-F5344CB8AC3E}">
@@ -20200,6 +20738,123 @@
           </p:spPr>
         </p:pic>
       </p:grpSp>
+      <p:pic>
+        <p:nvPicPr>
+          <p:cNvPr id="7" name="그림 6">
+            <a:extLst>
+              <a:ext uri="{FF2B5EF4-FFF2-40B4-BE49-F238E27FC236}">
+                <a16:creationId xmlns:a16="http://schemas.microsoft.com/office/drawing/2014/main" id="{8FCB5E2C-4F72-4B38-A610-CE78F3980DB7}"/>
+              </a:ext>
+            </a:extLst>
+          </p:cNvPr>
+          <p:cNvPicPr>
+            <a:picLocks noChangeAspect="1"/>
+          </p:cNvPicPr>
+          <p:nvPr/>
+        </p:nvPicPr>
+        <p:blipFill>
+          <a:blip r:embed="rId8"/>
+          <a:stretch>
+            <a:fillRect/>
+          </a:stretch>
+        </p:blipFill>
+        <p:spPr>
+          <a:xfrm>
+            <a:off x="541891" y="2142743"/>
+            <a:ext cx="6531131" cy="4344580"/>
+          </a:xfrm>
+          <a:prstGeom prst="rect">
+            <a:avLst/>
+          </a:prstGeom>
+        </p:spPr>
+      </p:pic>
+      <p:pic>
+        <p:nvPicPr>
+          <p:cNvPr id="9" name="그림 8">
+            <a:extLst>
+              <a:ext uri="{FF2B5EF4-FFF2-40B4-BE49-F238E27FC236}">
+                <a16:creationId xmlns:a16="http://schemas.microsoft.com/office/drawing/2014/main" id="{7F02A31D-BC4B-4E9C-A063-9FBEAFCB1586}"/>
+              </a:ext>
+            </a:extLst>
+          </p:cNvPr>
+          <p:cNvPicPr>
+            <a:picLocks noChangeAspect="1"/>
+          </p:cNvPicPr>
+          <p:nvPr/>
+        </p:nvPicPr>
+        <p:blipFill>
+          <a:blip r:embed="rId9"/>
+          <a:stretch>
+            <a:fillRect/>
+          </a:stretch>
+        </p:blipFill>
+        <p:spPr>
+          <a:xfrm>
+            <a:off x="7235806" y="2139874"/>
+            <a:ext cx="4770150" cy="4367206"/>
+          </a:xfrm>
+          <a:prstGeom prst="rect">
+            <a:avLst/>
+          </a:prstGeom>
+        </p:spPr>
+      </p:pic>
+      <p:sp>
+        <p:nvSpPr>
+          <p:cNvPr id="19" name="TextBox 18">
+            <a:extLst>
+              <a:ext uri="{FF2B5EF4-FFF2-40B4-BE49-F238E27FC236}">
+                <a16:creationId xmlns:a16="http://schemas.microsoft.com/office/drawing/2014/main" id="{E8928145-BC35-4FFA-B348-27A1F07767D0}"/>
+              </a:ext>
+            </a:extLst>
+          </p:cNvPr>
+          <p:cNvSpPr txBox="1"/>
+          <p:nvPr/>
+        </p:nvSpPr>
+        <p:spPr>
+          <a:xfrm>
+            <a:off x="4151784" y="6383664"/>
+            <a:ext cx="4624279" cy="473143"/>
+          </a:xfrm>
+          <a:prstGeom prst="rect">
+            <a:avLst/>
+          </a:prstGeom>
+          <a:noFill/>
+        </p:spPr>
+        <p:txBody>
+          <a:bodyPr wrap="square">
+            <a:spAutoFit/>
+          </a:bodyPr>
+          <a:lstStyle/>
+          <a:p>
+            <a:pPr marR="0" algn="l" fontAlgn="base" latinLnBrk="1">
+              <a:lnSpc>
+                <a:spcPct val="160000"/>
+              </a:lnSpc>
+              <a:spcBef>
+                <a:spcPts val="0"/>
+              </a:spcBef>
+              <a:spcAft>
+                <a:spcPts val="0"/>
+              </a:spcAft>
+            </a:pPr>
+            <a:r>
+              <a:rPr lang="ko-KR" altLang="en-US" kern="0" dirty="0">
+                <a:solidFill>
+                  <a:srgbClr val="000000"/>
+                </a:solidFill>
+                <a:latin typeface="바탕" panose="02030600000101010101" pitchFamily="18" charset="-127"/>
+              </a:rPr>
+              <a:t>게시판 종류 추가 기능 화면 및 등록 코드</a:t>
+            </a:r>
+            <a:endParaRPr lang="en-US" altLang="ko-KR" kern="0" dirty="0">
+              <a:solidFill>
+                <a:srgbClr val="000000"/>
+              </a:solidFill>
+              <a:latin typeface="바탕" panose="02030600000101010101" pitchFamily="18" charset="-127"/>
+            </a:endParaRPr>
+          </a:p>
+        </p:txBody>
+      </p:sp>
     </p:spTree>
     <p:extLst>
       <p:ext uri="{BB962C8B-B14F-4D97-AF65-F5344CB8AC3E}">
@@ -21008,6 +21663,372 @@
           </p:spPr>
         </p:pic>
       </p:grpSp>
+      <p:pic>
+        <p:nvPicPr>
+          <p:cNvPr id="7" name="그림 6">
+            <a:extLst>
+              <a:ext uri="{FF2B5EF4-FFF2-40B4-BE49-F238E27FC236}">
+                <a16:creationId xmlns:a16="http://schemas.microsoft.com/office/drawing/2014/main" id="{C240402A-4918-49F9-B90C-9AE7F9AAE20A}"/>
+              </a:ext>
+            </a:extLst>
+          </p:cNvPr>
+          <p:cNvPicPr>
+            <a:picLocks noChangeAspect="1"/>
+          </p:cNvPicPr>
+          <p:nvPr/>
+        </p:nvPicPr>
+        <p:blipFill>
+          <a:blip r:embed="rId8"/>
+          <a:stretch>
+            <a:fillRect/>
+          </a:stretch>
+        </p:blipFill>
+        <p:spPr>
+          <a:xfrm>
+            <a:off x="299356" y="2046787"/>
+            <a:ext cx="5630632" cy="3578457"/>
+          </a:xfrm>
+          <a:prstGeom prst="rect">
+            <a:avLst/>
+          </a:prstGeom>
+        </p:spPr>
+      </p:pic>
+      <p:pic>
+        <p:nvPicPr>
+          <p:cNvPr id="9" name="그림 8">
+            <a:extLst>
+              <a:ext uri="{FF2B5EF4-FFF2-40B4-BE49-F238E27FC236}">
+                <a16:creationId xmlns:a16="http://schemas.microsoft.com/office/drawing/2014/main" id="{ECD4A2F5-3B5E-4391-8D64-568D7791DEAE}"/>
+              </a:ext>
+            </a:extLst>
+          </p:cNvPr>
+          <p:cNvPicPr>
+            <a:picLocks noChangeAspect="1"/>
+          </p:cNvPicPr>
+          <p:nvPr/>
+        </p:nvPicPr>
+        <p:blipFill>
+          <a:blip r:embed="rId9"/>
+          <a:stretch>
+            <a:fillRect/>
+          </a:stretch>
+        </p:blipFill>
+        <p:spPr>
+          <a:xfrm>
+            <a:off x="6007177" y="4989780"/>
+            <a:ext cx="2292880" cy="1845027"/>
+          </a:xfrm>
+          <a:prstGeom prst="rect">
+            <a:avLst/>
+          </a:prstGeom>
+        </p:spPr>
+      </p:pic>
+      <p:pic>
+        <p:nvPicPr>
+          <p:cNvPr id="16" name="그림 15">
+            <a:extLst>
+              <a:ext uri="{FF2B5EF4-FFF2-40B4-BE49-F238E27FC236}">
+                <a16:creationId xmlns:a16="http://schemas.microsoft.com/office/drawing/2014/main" id="{31F5544D-5C63-4239-A1E2-AD51F5368A41}"/>
+              </a:ext>
+            </a:extLst>
+          </p:cNvPr>
+          <p:cNvPicPr>
+            <a:picLocks noChangeAspect="1"/>
+          </p:cNvPicPr>
+          <p:nvPr/>
+        </p:nvPicPr>
+        <p:blipFill>
+          <a:blip r:embed="rId10"/>
+          <a:stretch>
+            <a:fillRect/>
+          </a:stretch>
+        </p:blipFill>
+        <p:spPr>
+          <a:xfrm>
+            <a:off x="9160172" y="3586147"/>
+            <a:ext cx="2433711" cy="2780971"/>
+          </a:xfrm>
+          <a:prstGeom prst="rect">
+            <a:avLst/>
+          </a:prstGeom>
+        </p:spPr>
+      </p:pic>
+      <p:pic>
+        <p:nvPicPr>
+          <p:cNvPr id="18" name="그림 17">
+            <a:extLst>
+              <a:ext uri="{FF2B5EF4-FFF2-40B4-BE49-F238E27FC236}">
+                <a16:creationId xmlns:a16="http://schemas.microsoft.com/office/drawing/2014/main" id="{2035B983-FA6A-4C3C-8660-43185EBB848E}"/>
+              </a:ext>
+            </a:extLst>
+          </p:cNvPr>
+          <p:cNvPicPr>
+            <a:picLocks noChangeAspect="1"/>
+          </p:cNvPicPr>
+          <p:nvPr/>
+        </p:nvPicPr>
+        <p:blipFill>
+          <a:blip r:embed="rId11"/>
+          <a:stretch>
+            <a:fillRect/>
+          </a:stretch>
+        </p:blipFill>
+        <p:spPr>
+          <a:xfrm>
+            <a:off x="6023699" y="2019761"/>
+            <a:ext cx="2685739" cy="2897771"/>
+          </a:xfrm>
+          <a:prstGeom prst="rect">
+            <a:avLst/>
+          </a:prstGeom>
+        </p:spPr>
+      </p:pic>
+      <p:sp>
+        <p:nvSpPr>
+          <p:cNvPr id="25" name="TextBox 24">
+            <a:extLst>
+              <a:ext uri="{FF2B5EF4-FFF2-40B4-BE49-F238E27FC236}">
+                <a16:creationId xmlns:a16="http://schemas.microsoft.com/office/drawing/2014/main" id="{FB55A094-D587-46FE-9704-F9294319378B}"/>
+              </a:ext>
+            </a:extLst>
+          </p:cNvPr>
+          <p:cNvSpPr txBox="1"/>
+          <p:nvPr/>
+        </p:nvSpPr>
+        <p:spPr>
+          <a:xfrm>
+            <a:off x="9160172" y="1938000"/>
+            <a:ext cx="2304256" cy="1350370"/>
+          </a:xfrm>
+          <a:prstGeom prst="rect">
+            <a:avLst/>
+          </a:prstGeom>
+          <a:noFill/>
+        </p:spPr>
+        <p:txBody>
+          <a:bodyPr wrap="square">
+            <a:spAutoFit/>
+          </a:bodyPr>
+          <a:lstStyle/>
+          <a:p>
+            <a:pPr marR="0" algn="l" fontAlgn="base" latinLnBrk="1">
+              <a:lnSpc>
+                <a:spcPct val="160000"/>
+              </a:lnSpc>
+              <a:spcBef>
+                <a:spcPts val="0"/>
+              </a:spcBef>
+              <a:spcAft>
+                <a:spcPts val="0"/>
+              </a:spcAft>
+            </a:pPr>
+            <a:r>
+              <a:rPr lang="ko-KR" altLang="en-US" kern="0" dirty="0">
+                <a:solidFill>
+                  <a:srgbClr val="000000"/>
+                </a:solidFill>
+                <a:latin typeface="바탕" panose="02030600000101010101" pitchFamily="18" charset="-127"/>
+              </a:rPr>
+              <a:t>블로그 등록 코드</a:t>
+            </a:r>
+            <a:endParaRPr lang="en-US" altLang="ko-KR" kern="0" dirty="0">
+              <a:solidFill>
+                <a:srgbClr val="000000"/>
+              </a:solidFill>
+              <a:latin typeface="바탕" panose="02030600000101010101" pitchFamily="18" charset="-127"/>
+            </a:endParaRPr>
+          </a:p>
+          <a:p>
+            <a:pPr marR="0" algn="l" fontAlgn="base" latinLnBrk="1">
+              <a:lnSpc>
+                <a:spcPct val="160000"/>
+              </a:lnSpc>
+              <a:spcBef>
+                <a:spcPts val="0"/>
+              </a:spcBef>
+              <a:spcAft>
+                <a:spcPts val="0"/>
+              </a:spcAft>
+            </a:pPr>
+            <a:r>
+              <a:rPr lang="ko-KR" altLang="en-US" kern="0" dirty="0">
+                <a:solidFill>
+                  <a:srgbClr val="000000"/>
+                </a:solidFill>
+                <a:latin typeface="바탕" panose="02030600000101010101" pitchFamily="18" charset="-127"/>
+              </a:rPr>
+              <a:t>댓글 등록 스크립트</a:t>
+            </a:r>
+            <a:endParaRPr lang="en-US" altLang="ko-KR" kern="0" dirty="0">
+              <a:solidFill>
+                <a:srgbClr val="000000"/>
+              </a:solidFill>
+              <a:latin typeface="바탕" panose="02030600000101010101" pitchFamily="18" charset="-127"/>
+            </a:endParaRPr>
+          </a:p>
+          <a:p>
+            <a:pPr marR="0" algn="l" fontAlgn="base" latinLnBrk="1">
+              <a:lnSpc>
+                <a:spcPct val="160000"/>
+              </a:lnSpc>
+              <a:spcBef>
+                <a:spcPts val="0"/>
+              </a:spcBef>
+              <a:spcAft>
+                <a:spcPts val="0"/>
+              </a:spcAft>
+            </a:pPr>
+            <a:r>
+              <a:rPr lang="ko-KR" altLang="en-US" kern="0" dirty="0">
+                <a:solidFill>
+                  <a:srgbClr val="000000"/>
+                </a:solidFill>
+                <a:latin typeface="바탕" panose="02030600000101010101" pitchFamily="18" charset="-127"/>
+              </a:rPr>
+              <a:t>댓글 등록 코드</a:t>
+            </a:r>
+            <a:endParaRPr lang="en-US" altLang="ko-KR" kern="0" dirty="0">
+              <a:solidFill>
+                <a:srgbClr val="000000"/>
+              </a:solidFill>
+              <a:latin typeface="바탕" panose="02030600000101010101" pitchFamily="18" charset="-127"/>
+            </a:endParaRPr>
+          </a:p>
+        </p:txBody>
+      </p:sp>
+      <p:cxnSp>
+        <p:nvCxnSpPr>
+          <p:cNvPr id="26" name="직선 화살표 연결선 25">
+            <a:extLst>
+              <a:ext uri="{FF2B5EF4-FFF2-40B4-BE49-F238E27FC236}">
+                <a16:creationId xmlns:a16="http://schemas.microsoft.com/office/drawing/2014/main" id="{2B7D3972-3F9F-4A2B-ACFA-7553DF4FD538}"/>
+              </a:ext>
+            </a:extLst>
+          </p:cNvPr>
+          <p:cNvCxnSpPr>
+            <a:cxnSpLocks/>
+          </p:cNvCxnSpPr>
+          <p:nvPr/>
+        </p:nvCxnSpPr>
+        <p:spPr>
+          <a:xfrm flipH="1">
+            <a:off x="7716180" y="2204864"/>
+            <a:ext cx="1512169" cy="504056"/>
+          </a:xfrm>
+          <a:prstGeom prst="straightConnector1">
+            <a:avLst/>
+          </a:prstGeom>
+          <a:ln w="19050">
+            <a:solidFill>
+              <a:srgbClr val="FF0000"/>
+            </a:solidFill>
+            <a:tailEnd type="triangle"/>
+          </a:ln>
+        </p:spPr>
+        <p:style>
+          <a:lnRef idx="1">
+            <a:schemeClr val="accent1"/>
+          </a:lnRef>
+          <a:fillRef idx="0">
+            <a:schemeClr val="accent1"/>
+          </a:fillRef>
+          <a:effectRef idx="0">
+            <a:schemeClr val="accent1"/>
+          </a:effectRef>
+          <a:fontRef idx="minor">
+            <a:schemeClr val="tx1"/>
+          </a:fontRef>
+        </p:style>
+      </p:cxnSp>
+      <p:cxnSp>
+        <p:nvCxnSpPr>
+          <p:cNvPr id="29" name="직선 화살표 연결선 28">
+            <a:extLst>
+              <a:ext uri="{FF2B5EF4-FFF2-40B4-BE49-F238E27FC236}">
+                <a16:creationId xmlns:a16="http://schemas.microsoft.com/office/drawing/2014/main" id="{27A2EBFB-920D-429E-BC58-1960B6156995}"/>
+              </a:ext>
+            </a:extLst>
+          </p:cNvPr>
+          <p:cNvCxnSpPr>
+            <a:cxnSpLocks/>
+          </p:cNvCxnSpPr>
+          <p:nvPr/>
+        </p:nvCxnSpPr>
+        <p:spPr>
+          <a:xfrm flipH="1">
+            <a:off x="7968208" y="2636912"/>
+            <a:ext cx="1191965" cy="2700300"/>
+          </a:xfrm>
+          <a:prstGeom prst="straightConnector1">
+            <a:avLst/>
+          </a:prstGeom>
+          <a:ln w="19050">
+            <a:solidFill>
+              <a:srgbClr val="FF0000"/>
+            </a:solidFill>
+            <a:tailEnd type="triangle"/>
+          </a:ln>
+        </p:spPr>
+        <p:style>
+          <a:lnRef idx="1">
+            <a:schemeClr val="accent1"/>
+          </a:lnRef>
+          <a:fillRef idx="0">
+            <a:schemeClr val="accent1"/>
+          </a:fillRef>
+          <a:effectRef idx="0">
+            <a:schemeClr val="accent1"/>
+          </a:effectRef>
+          <a:fontRef idx="minor">
+            <a:schemeClr val="tx1"/>
+          </a:fontRef>
+        </p:style>
+      </p:cxnSp>
+      <p:cxnSp>
+        <p:nvCxnSpPr>
+          <p:cNvPr id="32" name="직선 화살표 연결선 31">
+            <a:extLst>
+              <a:ext uri="{FF2B5EF4-FFF2-40B4-BE49-F238E27FC236}">
+                <a16:creationId xmlns:a16="http://schemas.microsoft.com/office/drawing/2014/main" id="{FC182F12-17A3-4C4D-B437-B4FE0580A1E9}"/>
+              </a:ext>
+            </a:extLst>
+          </p:cNvPr>
+          <p:cNvCxnSpPr>
+            <a:cxnSpLocks/>
+            <a:stCxn id="25" idx="2"/>
+          </p:cNvCxnSpPr>
+          <p:nvPr/>
+        </p:nvCxnSpPr>
+        <p:spPr>
+          <a:xfrm>
+            <a:off x="10312300" y="3288370"/>
+            <a:ext cx="354849" cy="1148742"/>
+          </a:xfrm>
+          <a:prstGeom prst="straightConnector1">
+            <a:avLst/>
+          </a:prstGeom>
+          <a:ln w="19050">
+            <a:solidFill>
+              <a:srgbClr val="FF0000"/>
+            </a:solidFill>
+            <a:tailEnd type="triangle"/>
+          </a:ln>
+        </p:spPr>
+        <p:style>
+          <a:lnRef idx="1">
+            <a:schemeClr val="accent1"/>
+          </a:lnRef>
+          <a:fillRef idx="0">
+            <a:schemeClr val="accent1"/>
+          </a:fillRef>
+          <a:effectRef idx="0">
+            <a:schemeClr val="accent1"/>
+          </a:effectRef>
+          <a:fontRef idx="minor">
+            <a:schemeClr val="tx1"/>
+          </a:fontRef>
+        </p:style>
+      </p:cxnSp>
     </p:spTree>
     <p:extLst>
       <p:ext uri="{BB962C8B-B14F-4D97-AF65-F5344CB8AC3E}">
@@ -21816,6 +22837,123 @@
           </p:spPr>
         </p:pic>
       </p:grpSp>
+      <p:pic>
+        <p:nvPicPr>
+          <p:cNvPr id="7" name="그림 6">
+            <a:extLst>
+              <a:ext uri="{FF2B5EF4-FFF2-40B4-BE49-F238E27FC236}">
+                <a16:creationId xmlns:a16="http://schemas.microsoft.com/office/drawing/2014/main" id="{7DCF6243-12BB-4747-ADC9-9CB47AA4CC32}"/>
+              </a:ext>
+            </a:extLst>
+          </p:cNvPr>
+          <p:cNvPicPr>
+            <a:picLocks noChangeAspect="1"/>
+          </p:cNvPicPr>
+          <p:nvPr/>
+        </p:nvPicPr>
+        <p:blipFill>
+          <a:blip r:embed="rId8"/>
+          <a:stretch>
+            <a:fillRect/>
+          </a:stretch>
+        </p:blipFill>
+        <p:spPr>
+          <a:xfrm>
+            <a:off x="87849" y="2023689"/>
+            <a:ext cx="6672731" cy="3404091"/>
+          </a:xfrm>
+          <a:prstGeom prst="rect">
+            <a:avLst/>
+          </a:prstGeom>
+        </p:spPr>
+      </p:pic>
+      <p:pic>
+        <p:nvPicPr>
+          <p:cNvPr id="9" name="그림 8">
+            <a:extLst>
+              <a:ext uri="{FF2B5EF4-FFF2-40B4-BE49-F238E27FC236}">
+                <a16:creationId xmlns:a16="http://schemas.microsoft.com/office/drawing/2014/main" id="{3ECE3F05-3C11-424B-95CB-08ACBEAB9903}"/>
+              </a:ext>
+            </a:extLst>
+          </p:cNvPr>
+          <p:cNvPicPr>
+            <a:picLocks noChangeAspect="1"/>
+          </p:cNvPicPr>
+          <p:nvPr/>
+        </p:nvPicPr>
+        <p:blipFill>
+          <a:blip r:embed="rId9"/>
+          <a:stretch>
+            <a:fillRect/>
+          </a:stretch>
+        </p:blipFill>
+        <p:spPr>
+          <a:xfrm>
+            <a:off x="6860507" y="2033639"/>
+            <a:ext cx="4545292" cy="2201520"/>
+          </a:xfrm>
+          <a:prstGeom prst="rect">
+            <a:avLst/>
+          </a:prstGeom>
+        </p:spPr>
+      </p:pic>
+      <p:sp>
+        <p:nvSpPr>
+          <p:cNvPr id="21" name="TextBox 20">
+            <a:extLst>
+              <a:ext uri="{FF2B5EF4-FFF2-40B4-BE49-F238E27FC236}">
+                <a16:creationId xmlns:a16="http://schemas.microsoft.com/office/drawing/2014/main" id="{E138CC7B-71DE-4411-866F-38D4A91ED87D}"/>
+              </a:ext>
+            </a:extLst>
+          </p:cNvPr>
+          <p:cNvSpPr txBox="1"/>
+          <p:nvPr/>
+        </p:nvSpPr>
+        <p:spPr>
+          <a:xfrm>
+            <a:off x="6860507" y="4351950"/>
+            <a:ext cx="4624279" cy="916341"/>
+          </a:xfrm>
+          <a:prstGeom prst="rect">
+            <a:avLst/>
+          </a:prstGeom>
+          <a:noFill/>
+        </p:spPr>
+        <p:txBody>
+          <a:bodyPr wrap="square">
+            <a:spAutoFit/>
+          </a:bodyPr>
+          <a:lstStyle/>
+          <a:p>
+            <a:pPr marR="0" algn="l" fontAlgn="base" latinLnBrk="1">
+              <a:lnSpc>
+                <a:spcPct val="160000"/>
+              </a:lnSpc>
+              <a:spcBef>
+                <a:spcPts val="0"/>
+              </a:spcBef>
+              <a:spcAft>
+                <a:spcPts val="0"/>
+              </a:spcAft>
+            </a:pPr>
+            <a:r>
+              <a:rPr lang="ko-KR" altLang="en-US" kern="0" dirty="0">
+                <a:solidFill>
+                  <a:srgbClr val="000000"/>
+                </a:solidFill>
+                <a:latin typeface="바탕" panose="02030600000101010101" pitchFamily="18" charset="-127"/>
+              </a:rPr>
+              <a:t>게시판의 읽기 권한이 있는 경우에만 목록 노출</a:t>
+            </a:r>
+            <a:endParaRPr lang="en-US" altLang="ko-KR" kern="0" dirty="0">
+              <a:solidFill>
+                <a:srgbClr val="000000"/>
+              </a:solidFill>
+              <a:latin typeface="바탕" panose="02030600000101010101" pitchFamily="18" charset="-127"/>
+            </a:endParaRPr>
+          </a:p>
+        </p:txBody>
+      </p:sp>
     </p:spTree>
     <p:extLst>
       <p:ext uri="{BB962C8B-B14F-4D97-AF65-F5344CB8AC3E}">
@@ -22624,6 +23762,240 @@
           </p:spPr>
         </p:pic>
       </p:grpSp>
+      <p:pic>
+        <p:nvPicPr>
+          <p:cNvPr id="7" name="그림 6">
+            <a:extLst>
+              <a:ext uri="{FF2B5EF4-FFF2-40B4-BE49-F238E27FC236}">
+                <a16:creationId xmlns:a16="http://schemas.microsoft.com/office/drawing/2014/main" id="{89875F7D-13AC-4BD8-810C-28F8E464780F}"/>
+              </a:ext>
+            </a:extLst>
+          </p:cNvPr>
+          <p:cNvPicPr>
+            <a:picLocks noChangeAspect="1"/>
+          </p:cNvPicPr>
+          <p:nvPr/>
+        </p:nvPicPr>
+        <p:blipFill>
+          <a:blip r:embed="rId8"/>
+          <a:stretch>
+            <a:fillRect/>
+          </a:stretch>
+        </p:blipFill>
+        <p:spPr>
+          <a:xfrm>
+            <a:off x="174170" y="1970817"/>
+            <a:ext cx="5760209" cy="1937469"/>
+          </a:xfrm>
+          <a:prstGeom prst="rect">
+            <a:avLst/>
+          </a:prstGeom>
+        </p:spPr>
+      </p:pic>
+      <p:pic>
+        <p:nvPicPr>
+          <p:cNvPr id="9" name="그림 8">
+            <a:extLst>
+              <a:ext uri="{FF2B5EF4-FFF2-40B4-BE49-F238E27FC236}">
+                <a16:creationId xmlns:a16="http://schemas.microsoft.com/office/drawing/2014/main" id="{33B9B9C7-57D4-49F7-B537-EECE150D98BC}"/>
+              </a:ext>
+            </a:extLst>
+          </p:cNvPr>
+          <p:cNvPicPr>
+            <a:picLocks noChangeAspect="1"/>
+          </p:cNvPicPr>
+          <p:nvPr/>
+        </p:nvPicPr>
+        <p:blipFill>
+          <a:blip r:embed="rId9"/>
+          <a:stretch>
+            <a:fillRect/>
+          </a:stretch>
+        </p:blipFill>
+        <p:spPr>
+          <a:xfrm>
+            <a:off x="6051455" y="1931902"/>
+            <a:ext cx="4571149" cy="2221434"/>
+          </a:xfrm>
+          <a:prstGeom prst="rect">
+            <a:avLst/>
+          </a:prstGeom>
+        </p:spPr>
+      </p:pic>
+      <p:sp>
+        <p:nvSpPr>
+          <p:cNvPr id="21" name="TextBox 20">
+            <a:extLst>
+              <a:ext uri="{FF2B5EF4-FFF2-40B4-BE49-F238E27FC236}">
+                <a16:creationId xmlns:a16="http://schemas.microsoft.com/office/drawing/2014/main" id="{AB5DD3B0-E19A-4FDB-962B-21FBA9E8FB62}"/>
+              </a:ext>
+            </a:extLst>
+          </p:cNvPr>
+          <p:cNvSpPr txBox="1"/>
+          <p:nvPr/>
+        </p:nvSpPr>
+        <p:spPr>
+          <a:xfrm>
+            <a:off x="3437872" y="4066107"/>
+            <a:ext cx="2278224" cy="1359539"/>
+          </a:xfrm>
+          <a:prstGeom prst="rect">
+            <a:avLst/>
+          </a:prstGeom>
+          <a:noFill/>
+        </p:spPr>
+        <p:txBody>
+          <a:bodyPr wrap="square">
+            <a:spAutoFit/>
+          </a:bodyPr>
+          <a:lstStyle/>
+          <a:p>
+            <a:pPr marR="0" algn="l" fontAlgn="base" latinLnBrk="1">
+              <a:lnSpc>
+                <a:spcPct val="160000"/>
+              </a:lnSpc>
+              <a:spcBef>
+                <a:spcPts val="0"/>
+              </a:spcBef>
+              <a:spcAft>
+                <a:spcPts val="0"/>
+              </a:spcAft>
+            </a:pPr>
+            <a:r>
+              <a:rPr lang="ko-KR" altLang="en-US" kern="0" dirty="0">
+                <a:solidFill>
+                  <a:srgbClr val="000000"/>
+                </a:solidFill>
+                <a:latin typeface="바탕" panose="02030600000101010101" pitchFamily="18" charset="-127"/>
+              </a:rPr>
+              <a:t>해당 게시판의 게시글 목록 화면 및 컨트롤러 코드</a:t>
+            </a:r>
+            <a:endParaRPr lang="en-US" altLang="ko-KR" kern="0" dirty="0">
+              <a:solidFill>
+                <a:srgbClr val="000000"/>
+              </a:solidFill>
+              <a:latin typeface="바탕" panose="02030600000101010101" pitchFamily="18" charset="-127"/>
+            </a:endParaRPr>
+          </a:p>
+        </p:txBody>
+      </p:sp>
+      <p:sp>
+        <p:nvSpPr>
+          <p:cNvPr id="22" name="TextBox 21">
+            <a:extLst>
+              <a:ext uri="{FF2B5EF4-FFF2-40B4-BE49-F238E27FC236}">
+                <a16:creationId xmlns:a16="http://schemas.microsoft.com/office/drawing/2014/main" id="{C2AE6E36-6077-4A21-88CB-AB07F76C040B}"/>
+              </a:ext>
+            </a:extLst>
+          </p:cNvPr>
+          <p:cNvSpPr txBox="1"/>
+          <p:nvPr/>
+        </p:nvSpPr>
+        <p:spPr>
+          <a:xfrm>
+            <a:off x="9102914" y="4466098"/>
+            <a:ext cx="2753726" cy="916341"/>
+          </a:xfrm>
+          <a:prstGeom prst="rect">
+            <a:avLst/>
+          </a:prstGeom>
+          <a:noFill/>
+        </p:spPr>
+        <p:txBody>
+          <a:bodyPr wrap="square">
+            <a:spAutoFit/>
+          </a:bodyPr>
+          <a:lstStyle/>
+          <a:p>
+            <a:pPr marR="0" algn="l" fontAlgn="base" latinLnBrk="1">
+              <a:lnSpc>
+                <a:spcPct val="160000"/>
+              </a:lnSpc>
+              <a:spcBef>
+                <a:spcPts val="0"/>
+              </a:spcBef>
+              <a:spcAft>
+                <a:spcPts val="0"/>
+              </a:spcAft>
+            </a:pPr>
+            <a:r>
+              <a:rPr lang="ko-KR" altLang="en-US" kern="0" dirty="0">
+                <a:solidFill>
+                  <a:srgbClr val="000000"/>
+                </a:solidFill>
+                <a:latin typeface="바탕" panose="02030600000101010101" pitchFamily="18" charset="-127"/>
+              </a:rPr>
+              <a:t>게시글 화면 및 컨트롤러 코드 </a:t>
+            </a:r>
+            <a:endParaRPr lang="en-US" altLang="ko-KR" kern="0" dirty="0">
+              <a:solidFill>
+                <a:srgbClr val="000000"/>
+              </a:solidFill>
+              <a:latin typeface="바탕" panose="02030600000101010101" pitchFamily="18" charset="-127"/>
+            </a:endParaRPr>
+          </a:p>
+        </p:txBody>
+      </p:sp>
+      <p:pic>
+        <p:nvPicPr>
+          <p:cNvPr id="16" name="그림 15">
+            <a:extLst>
+              <a:ext uri="{FF2B5EF4-FFF2-40B4-BE49-F238E27FC236}">
+                <a16:creationId xmlns:a16="http://schemas.microsoft.com/office/drawing/2014/main" id="{7C60FC37-07A5-4941-BC93-B38F057268B5}"/>
+              </a:ext>
+            </a:extLst>
+          </p:cNvPr>
+          <p:cNvPicPr>
+            <a:picLocks noChangeAspect="1"/>
+          </p:cNvPicPr>
+          <p:nvPr/>
+        </p:nvPicPr>
+        <p:blipFill>
+          <a:blip r:embed="rId10"/>
+          <a:stretch>
+            <a:fillRect/>
+          </a:stretch>
+        </p:blipFill>
+        <p:spPr>
+          <a:xfrm>
+            <a:off x="201580" y="3979192"/>
+            <a:ext cx="3174688" cy="2668647"/>
+          </a:xfrm>
+          <a:prstGeom prst="rect">
+            <a:avLst/>
+          </a:prstGeom>
+        </p:spPr>
+      </p:pic>
+      <p:pic>
+        <p:nvPicPr>
+          <p:cNvPr id="18" name="그림 17">
+            <a:extLst>
+              <a:ext uri="{FF2B5EF4-FFF2-40B4-BE49-F238E27FC236}">
+                <a16:creationId xmlns:a16="http://schemas.microsoft.com/office/drawing/2014/main" id="{6E5D0914-3BEA-47E1-8607-007218B08C49}"/>
+              </a:ext>
+            </a:extLst>
+          </p:cNvPr>
+          <p:cNvPicPr>
+            <a:picLocks noChangeAspect="1"/>
+          </p:cNvPicPr>
+          <p:nvPr/>
+        </p:nvPicPr>
+        <p:blipFill>
+          <a:blip r:embed="rId11"/>
+          <a:stretch>
+            <a:fillRect/>
+          </a:stretch>
+        </p:blipFill>
+        <p:spPr>
+          <a:xfrm>
+            <a:off x="5934899" y="4452020"/>
+            <a:ext cx="3186557" cy="2195819"/>
+          </a:xfrm>
+          <a:prstGeom prst="rect">
+            <a:avLst/>
+          </a:prstGeom>
+        </p:spPr>
+      </p:pic>
     </p:spTree>
     <p:extLst>
       <p:ext uri="{BB962C8B-B14F-4D97-AF65-F5344CB8AC3E}">
@@ -23432,6 +24804,270 @@
           </p:spPr>
         </p:pic>
       </p:grpSp>
+      <p:pic>
+        <p:nvPicPr>
+          <p:cNvPr id="9" name="그림 8">
+            <a:extLst>
+              <a:ext uri="{FF2B5EF4-FFF2-40B4-BE49-F238E27FC236}">
+                <a16:creationId xmlns:a16="http://schemas.microsoft.com/office/drawing/2014/main" id="{3A2FA6A4-6604-4A54-9975-25282904FE5E}"/>
+              </a:ext>
+            </a:extLst>
+          </p:cNvPr>
+          <p:cNvPicPr>
+            <a:picLocks noChangeAspect="1"/>
+          </p:cNvPicPr>
+          <p:nvPr/>
+        </p:nvPicPr>
+        <p:blipFill>
+          <a:blip r:embed="rId8"/>
+          <a:stretch>
+            <a:fillRect/>
+          </a:stretch>
+        </p:blipFill>
+        <p:spPr>
+          <a:xfrm>
+            <a:off x="643039" y="2592078"/>
+            <a:ext cx="2248606" cy="2579640"/>
+          </a:xfrm>
+          <a:prstGeom prst="rect">
+            <a:avLst/>
+          </a:prstGeom>
+        </p:spPr>
+      </p:pic>
+      <p:pic>
+        <p:nvPicPr>
+          <p:cNvPr id="18" name="그림 17">
+            <a:extLst>
+              <a:ext uri="{FF2B5EF4-FFF2-40B4-BE49-F238E27FC236}">
+                <a16:creationId xmlns:a16="http://schemas.microsoft.com/office/drawing/2014/main" id="{C4983B17-8637-4CC0-92DF-E5CD633E7CAE}"/>
+              </a:ext>
+            </a:extLst>
+          </p:cNvPr>
+          <p:cNvPicPr>
+            <a:picLocks noChangeAspect="1"/>
+          </p:cNvPicPr>
+          <p:nvPr/>
+        </p:nvPicPr>
+        <p:blipFill>
+          <a:blip r:embed="rId9"/>
+          <a:stretch>
+            <a:fillRect/>
+          </a:stretch>
+        </p:blipFill>
+        <p:spPr>
+          <a:xfrm>
+            <a:off x="6175509" y="2613751"/>
+            <a:ext cx="2147074" cy="3176972"/>
+          </a:xfrm>
+          <a:prstGeom prst="rect">
+            <a:avLst/>
+          </a:prstGeom>
+        </p:spPr>
+      </p:pic>
+      <p:sp>
+        <p:nvSpPr>
+          <p:cNvPr id="25" name="TextBox 24">
+            <a:extLst>
+              <a:ext uri="{FF2B5EF4-FFF2-40B4-BE49-F238E27FC236}">
+                <a16:creationId xmlns:a16="http://schemas.microsoft.com/office/drawing/2014/main" id="{B3A35F9A-809A-43CC-A15D-E81883585B4C}"/>
+              </a:ext>
+            </a:extLst>
+          </p:cNvPr>
+          <p:cNvSpPr txBox="1"/>
+          <p:nvPr/>
+        </p:nvSpPr>
+        <p:spPr>
+          <a:xfrm>
+            <a:off x="567228" y="2017891"/>
+            <a:ext cx="4952708" cy="473143"/>
+          </a:xfrm>
+          <a:prstGeom prst="rect">
+            <a:avLst/>
+          </a:prstGeom>
+          <a:noFill/>
+        </p:spPr>
+        <p:txBody>
+          <a:bodyPr wrap="square">
+            <a:spAutoFit/>
+          </a:bodyPr>
+          <a:lstStyle/>
+          <a:p>
+            <a:pPr marR="0" algn="l" fontAlgn="base" latinLnBrk="1">
+              <a:lnSpc>
+                <a:spcPct val="160000"/>
+              </a:lnSpc>
+              <a:spcBef>
+                <a:spcPts val="0"/>
+              </a:spcBef>
+              <a:spcAft>
+                <a:spcPts val="0"/>
+              </a:spcAft>
+            </a:pPr>
+            <a:r>
+              <a:rPr lang="ko-KR" altLang="en-US" kern="0" dirty="0">
+                <a:solidFill>
+                  <a:srgbClr val="000000"/>
+                </a:solidFill>
+                <a:latin typeface="바탕" panose="02030600000101010101" pitchFamily="18" charset="-127"/>
+              </a:rPr>
+              <a:t>대화상대 목록 화면 및 컨트롤러 코드</a:t>
+            </a:r>
+            <a:endParaRPr lang="en-US" altLang="ko-KR" kern="0" dirty="0">
+              <a:solidFill>
+                <a:srgbClr val="000000"/>
+              </a:solidFill>
+              <a:latin typeface="바탕" panose="02030600000101010101" pitchFamily="18" charset="-127"/>
+            </a:endParaRPr>
+          </a:p>
+        </p:txBody>
+      </p:sp>
+      <p:sp>
+        <p:nvSpPr>
+          <p:cNvPr id="26" name="TextBox 25">
+            <a:extLst>
+              <a:ext uri="{FF2B5EF4-FFF2-40B4-BE49-F238E27FC236}">
+                <a16:creationId xmlns:a16="http://schemas.microsoft.com/office/drawing/2014/main" id="{20BA077E-F165-4884-8300-BD255D5DEADF}"/>
+              </a:ext>
+            </a:extLst>
+          </p:cNvPr>
+          <p:cNvSpPr txBox="1"/>
+          <p:nvPr/>
+        </p:nvSpPr>
+        <p:spPr>
+          <a:xfrm>
+            <a:off x="6087164" y="2081533"/>
+            <a:ext cx="4952708" cy="473143"/>
+          </a:xfrm>
+          <a:prstGeom prst="rect">
+            <a:avLst/>
+          </a:prstGeom>
+          <a:noFill/>
+        </p:spPr>
+        <p:txBody>
+          <a:bodyPr wrap="square">
+            <a:spAutoFit/>
+          </a:bodyPr>
+          <a:lstStyle/>
+          <a:p>
+            <a:pPr marR="0" algn="l" fontAlgn="base" latinLnBrk="1">
+              <a:lnSpc>
+                <a:spcPct val="160000"/>
+              </a:lnSpc>
+              <a:spcBef>
+                <a:spcPts val="0"/>
+              </a:spcBef>
+              <a:spcAft>
+                <a:spcPts val="0"/>
+              </a:spcAft>
+            </a:pPr>
+            <a:r>
+              <a:rPr lang="ko-KR" altLang="en-US" kern="0" dirty="0">
+                <a:solidFill>
+                  <a:srgbClr val="000000"/>
+                </a:solidFill>
+                <a:latin typeface="바탕" panose="02030600000101010101" pitchFamily="18" charset="-127"/>
+              </a:rPr>
+              <a:t>대화 화면 및 컨트롤러 코드</a:t>
+            </a:r>
+            <a:endParaRPr lang="en-US" altLang="ko-KR" kern="0" dirty="0">
+              <a:solidFill>
+                <a:srgbClr val="000000"/>
+              </a:solidFill>
+              <a:latin typeface="바탕" panose="02030600000101010101" pitchFamily="18" charset="-127"/>
+            </a:endParaRPr>
+          </a:p>
+        </p:txBody>
+      </p:sp>
+      <p:pic>
+        <p:nvPicPr>
+          <p:cNvPr id="20" name="그림 19">
+            <a:extLst>
+              <a:ext uri="{FF2B5EF4-FFF2-40B4-BE49-F238E27FC236}">
+                <a16:creationId xmlns:a16="http://schemas.microsoft.com/office/drawing/2014/main" id="{C2B3C8D7-B2E8-48B6-8C09-DFEF68052454}"/>
+              </a:ext>
+            </a:extLst>
+          </p:cNvPr>
+          <p:cNvPicPr>
+            <a:picLocks noChangeAspect="1"/>
+          </p:cNvPicPr>
+          <p:nvPr/>
+        </p:nvPicPr>
+        <p:blipFill>
+          <a:blip r:embed="rId10"/>
+          <a:stretch>
+            <a:fillRect/>
+          </a:stretch>
+        </p:blipFill>
+        <p:spPr>
+          <a:xfrm>
+            <a:off x="2947245" y="2592077"/>
+            <a:ext cx="3139920" cy="2583893"/>
+          </a:xfrm>
+          <a:prstGeom prst="rect">
+            <a:avLst/>
+          </a:prstGeom>
+        </p:spPr>
+      </p:pic>
+      <p:pic>
+        <p:nvPicPr>
+          <p:cNvPr id="22" name="그림 21">
+            <a:extLst>
+              <a:ext uri="{FF2B5EF4-FFF2-40B4-BE49-F238E27FC236}">
+                <a16:creationId xmlns:a16="http://schemas.microsoft.com/office/drawing/2014/main" id="{65836516-671C-47A7-9F81-4B9DEDCA8C10}"/>
+              </a:ext>
+            </a:extLst>
+          </p:cNvPr>
+          <p:cNvPicPr>
+            <a:picLocks noChangeAspect="1"/>
+          </p:cNvPicPr>
+          <p:nvPr/>
+        </p:nvPicPr>
+        <p:blipFill>
+          <a:blip r:embed="rId11"/>
+          <a:stretch>
+            <a:fillRect/>
+          </a:stretch>
+        </p:blipFill>
+        <p:spPr>
+          <a:xfrm>
+            <a:off x="8410927" y="2603225"/>
+            <a:ext cx="3399234" cy="1615780"/>
+          </a:xfrm>
+          <a:prstGeom prst="rect">
+            <a:avLst/>
+          </a:prstGeom>
+        </p:spPr>
+      </p:pic>
+      <p:pic>
+        <p:nvPicPr>
+          <p:cNvPr id="28" name="그림 27">
+            <a:extLst>
+              <a:ext uri="{FF2B5EF4-FFF2-40B4-BE49-F238E27FC236}">
+                <a16:creationId xmlns:a16="http://schemas.microsoft.com/office/drawing/2014/main" id="{8E96BA39-A83A-49C9-8A71-4121D21A5C91}"/>
+              </a:ext>
+            </a:extLst>
+          </p:cNvPr>
+          <p:cNvPicPr>
+            <a:picLocks noChangeAspect="1"/>
+          </p:cNvPicPr>
+          <p:nvPr/>
+        </p:nvPicPr>
+        <p:blipFill>
+          <a:blip r:embed="rId12"/>
+          <a:stretch>
+            <a:fillRect/>
+          </a:stretch>
+        </p:blipFill>
+        <p:spPr>
+          <a:xfrm>
+            <a:off x="8408606" y="4282784"/>
+            <a:ext cx="2936549" cy="1925170"/>
+          </a:xfrm>
+          <a:prstGeom prst="rect">
+            <a:avLst/>
+          </a:prstGeom>
+        </p:spPr>
+      </p:pic>
     </p:spTree>
     <p:extLst>
       <p:ext uri="{BB962C8B-B14F-4D97-AF65-F5344CB8AC3E}">
